--- a/Docs/NG_system/architecture/NG-architecture.pptx
+++ b/Docs/NG_system/architecture/NG-architecture.pptx
@@ -5,23 +5,24 @@
     <p:sldMasterId id="2147483648" r:id="rId2"/>
   </p:sldMasterIdLst>
   <p:notesMasterIdLst>
-    <p:notesMasterId r:id="rId14"/>
+    <p:notesMasterId r:id="rId15"/>
   </p:notesMasterIdLst>
   <p:handoutMasterIdLst>
-    <p:handoutMasterId r:id="rId15"/>
+    <p:handoutMasterId r:id="rId16"/>
   </p:handoutMasterIdLst>
   <p:sldIdLst>
     <p:sldId id="256" r:id="rId3"/>
     <p:sldId id="265" r:id="rId4"/>
-    <p:sldId id="272" r:id="rId5"/>
-    <p:sldId id="266" r:id="rId6"/>
-    <p:sldId id="271" r:id="rId7"/>
-    <p:sldId id="267" r:id="rId8"/>
-    <p:sldId id="273" r:id="rId9"/>
-    <p:sldId id="269" r:id="rId10"/>
-    <p:sldId id="275" r:id="rId11"/>
-    <p:sldId id="277" r:id="rId12"/>
-    <p:sldId id="276" r:id="rId13"/>
+    <p:sldId id="278" r:id="rId5"/>
+    <p:sldId id="272" r:id="rId6"/>
+    <p:sldId id="266" r:id="rId7"/>
+    <p:sldId id="271" r:id="rId8"/>
+    <p:sldId id="267" r:id="rId9"/>
+    <p:sldId id="273" r:id="rId10"/>
+    <p:sldId id="269" r:id="rId11"/>
+    <p:sldId id="275" r:id="rId12"/>
+    <p:sldId id="277" r:id="rId13"/>
+    <p:sldId id="276" r:id="rId14"/>
   </p:sldIdLst>
   <p:sldSz cx="12188825" cy="6858000"/>
   <p:notesSz cx="6858000" cy="9144000"/>
@@ -224,7 +225,7 @@
           <a:p>
             <a:fld id="{24CE221E-83ED-4F6C-BA5F-3F9E6FDB6953}" type="datetimeFigureOut">
               <a:rPr lang="en-US"/>
-              <a:t>5/6/2018</a:t>
+              <a:t>5/7/2018</a:t>
             </a:fld>
             <a:endParaRPr/>
           </a:p>
@@ -389,7 +390,7 @@
           <a:p>
             <a:fld id="{97853E5F-CE67-483C-A264-F17AC70E9CA2}" type="datetimeFigureOut">
               <a:rPr lang="en-US"/>
-              <a:t>5/6/2018</a:t>
+              <a:t>5/7/2018</a:t>
             </a:fld>
             <a:endParaRPr/>
           </a:p>
@@ -858,7 +859,7 @@
           <a:p>
             <a:fld id="{3E0FA9E5-6744-4841-888F-9E7CC0C2B7EC}" type="datetimeFigureOut">
               <a:rPr lang="en-US"/>
-              <a:t>5/6/2018</a:t>
+              <a:t>5/7/2018</a:t>
             </a:fld>
             <a:endParaRPr/>
           </a:p>
@@ -1040,7 +1041,7 @@
           <a:p>
             <a:fld id="{3E0FA9E5-6744-4841-888F-9E7CC0C2B7EC}" type="datetimeFigureOut">
               <a:rPr lang="en-US"/>
-              <a:t>5/6/2018</a:t>
+              <a:t>5/7/2018</a:t>
             </a:fld>
             <a:endParaRPr/>
           </a:p>
@@ -1232,7 +1233,7 @@
           <a:p>
             <a:fld id="{3E0FA9E5-6744-4841-888F-9E7CC0C2B7EC}" type="datetimeFigureOut">
               <a:rPr lang="en-US"/>
-              <a:t>5/6/2018</a:t>
+              <a:t>5/7/2018</a:t>
             </a:fld>
             <a:endParaRPr/>
           </a:p>
@@ -1414,7 +1415,7 @@
           <a:p>
             <a:fld id="{3E0FA9E5-6744-4841-888F-9E7CC0C2B7EC}" type="datetimeFigureOut">
               <a:rPr lang="en-US"/>
-              <a:t>5/6/2018</a:t>
+              <a:t>5/7/2018</a:t>
             </a:fld>
             <a:endParaRPr/>
           </a:p>
@@ -1694,7 +1695,7 @@
           <a:p>
             <a:fld id="{3E0FA9E5-6744-4841-888F-9E7CC0C2B7EC}" type="datetimeFigureOut">
               <a:rPr lang="en-US"/>
-              <a:t>5/6/2018</a:t>
+              <a:t>5/7/2018</a:t>
             </a:fld>
             <a:endParaRPr/>
           </a:p>
@@ -1998,7 +1999,7 @@
           <a:p>
             <a:fld id="{3E0FA9E5-6744-4841-888F-9E7CC0C2B7EC}" type="datetimeFigureOut">
               <a:rPr lang="en-US"/>
-              <a:t>5/6/2018</a:t>
+              <a:t>5/7/2018</a:t>
             </a:fld>
             <a:endParaRPr/>
           </a:p>
@@ -2446,7 +2447,7 @@
           <a:p>
             <a:fld id="{3E0FA9E5-6744-4841-888F-9E7CC0C2B7EC}" type="datetimeFigureOut">
               <a:rPr lang="en-US"/>
-              <a:t>5/6/2018</a:t>
+              <a:t>5/7/2018</a:t>
             </a:fld>
             <a:endParaRPr/>
           </a:p>
@@ -2576,7 +2577,7 @@
           <a:p>
             <a:fld id="{3E0FA9E5-6744-4841-888F-9E7CC0C2B7EC}" type="datetimeFigureOut">
               <a:rPr lang="en-US"/>
-              <a:t>5/6/2018</a:t>
+              <a:t>5/7/2018</a:t>
             </a:fld>
             <a:endParaRPr/>
           </a:p>
@@ -2697,7 +2698,7 @@
           <a:p>
             <a:fld id="{3E0FA9E5-6744-4841-888F-9E7CC0C2B7EC}" type="datetimeFigureOut">
               <a:rPr lang="en-US"/>
-              <a:t>5/6/2018</a:t>
+              <a:t>5/7/2018</a:t>
             </a:fld>
             <a:endParaRPr/>
           </a:p>
@@ -3019,7 +3020,7 @@
           <a:p>
             <a:fld id="{3E0FA9E5-6744-4841-888F-9E7CC0C2B7EC}" type="datetimeFigureOut">
               <a:rPr lang="en-US"/>
-              <a:t>5/6/2018</a:t>
+              <a:t>5/7/2018</a:t>
             </a:fld>
             <a:endParaRPr/>
           </a:p>
@@ -3494,7 +3495,7 @@
             <a:fld id="{3E0FA9E5-6744-4841-888F-9E7CC0C2B7EC}" type="datetimeFigureOut">
               <a:rPr lang="en-US"/>
               <a:pPr/>
-              <a:t>5/6/2018</a:t>
+              <a:t>5/7/2018</a:t>
             </a:fld>
             <a:endParaRPr/>
           </a:p>
@@ -4114,6 +4115,210 @@
           <a:chExt cx="0" cy="0"/>
         </a:xfrm>
       </p:grpSpPr>
+      <p:sp>
+        <p:nvSpPr>
+          <p:cNvPr id="14" name="Content Placeholder 13"/>
+          <p:cNvSpPr>
+            <a:spLocks noGrp="1"/>
+          </p:cNvSpPr>
+          <p:nvPr>
+            <p:ph idx="1"/>
+          </p:nvPr>
+        </p:nvSpPr>
+        <p:spPr>
+          <a:xfrm>
+            <a:off x="1056998" y="1371600"/>
+            <a:ext cx="8686801" cy="4419600"/>
+          </a:xfrm>
+        </p:spPr>
+        <p:txBody>
+          <a:bodyPr>
+            <a:normAutofit fontScale="77500" lnSpcReduction="20000"/>
+          </a:bodyPr>
+          <a:lstStyle/>
+          <a:p>
+            <a:pPr lvl="0"/>
+            <a:r>
+              <a:rPr lang="en-US" dirty="0"/>
+              <a:t>Administration role - Global admin</a:t>
+            </a:r>
+          </a:p>
+          <a:p>
+            <a:pPr lvl="1"/>
+            <a:r>
+              <a:rPr lang="en-US" dirty="0"/>
+              <a:t>Root permissions on the system</a:t>
+            </a:r>
+          </a:p>
+          <a:p>
+            <a:r>
+              <a:rPr lang="en-US" dirty="0"/>
+              <a:t>Administration role - Domain admin</a:t>
+            </a:r>
+          </a:p>
+          <a:p>
+            <a:pPr lvl="1"/>
+            <a:r>
+              <a:rPr lang="en-US" dirty="0"/>
+              <a:t>Root permissions on the system domain (Israel, Russia, </a:t>
+            </a:r>
+            <a:r>
+              <a:rPr lang="en-US" dirty="0" err="1"/>
+              <a:t>etc</a:t>
+            </a:r>
+            <a:r>
+              <a:rPr lang="en-US" dirty="0"/>
+              <a:t>…)</a:t>
+            </a:r>
+          </a:p>
+          <a:p>
+            <a:pPr lvl="0"/>
+            <a:r>
+              <a:rPr lang="en-US" dirty="0"/>
+              <a:t>Administration role - Project admin</a:t>
+            </a:r>
+          </a:p>
+          <a:p>
+            <a:pPr marL="457063" lvl="1" indent="0">
+              <a:buNone/>
+            </a:pPr>
+            <a:r>
+              <a:rPr lang="en-US" dirty="0"/>
+              <a:t>Should be able to create/update a project data</a:t>
+            </a:r>
+          </a:p>
+          <a:p>
+            <a:pPr lvl="1"/>
+            <a:r>
+              <a:rPr lang="en-US" sz="1999" dirty="0"/>
+              <a:t>Create a project </a:t>
+            </a:r>
+          </a:p>
+          <a:p>
+            <a:pPr lvl="1"/>
+            <a:r>
+              <a:rPr lang="en-US" sz="1999" dirty="0"/>
+              <a:t>Create a logo for QC company if needed</a:t>
+            </a:r>
+          </a:p>
+          <a:p>
+            <a:pPr lvl="1"/>
+            <a:r>
+              <a:rPr lang="en-US" sz="1999" dirty="0"/>
+              <a:t>Create a project tree + relevant structures</a:t>
+            </a:r>
+          </a:p>
+          <a:p>
+            <a:pPr lvl="1"/>
+            <a:r>
+              <a:rPr lang="en-US" sz="1999" dirty="0"/>
+              <a:t>Create a lab to send orders to + create a form to be sent to the lab.</a:t>
+            </a:r>
+          </a:p>
+          <a:p>
+            <a:pPr lvl="1"/>
+            <a:r>
+              <a:rPr lang="en-US" sz="1999" dirty="0"/>
+              <a:t>Create users for the project, only lower role</a:t>
+            </a:r>
+          </a:p>
+          <a:p>
+            <a:pPr lvl="1"/>
+            <a:r>
+              <a:rPr lang="en-US" sz="1999" dirty="0"/>
+              <a:t>Create checklists, or use existing.</a:t>
+            </a:r>
+          </a:p>
+          <a:p>
+            <a:pPr lvl="1"/>
+            <a:r>
+              <a:rPr lang="en-US" sz="1999" dirty="0"/>
+              <a:t>Create lab test codes,  or use existing.</a:t>
+            </a:r>
+          </a:p>
+          <a:p>
+            <a:pPr lvl="1"/>
+            <a:r>
+              <a:rPr lang="en-US" sz="1999" dirty="0"/>
+              <a:t>Create a format for checklist forms</a:t>
+            </a:r>
+          </a:p>
+          <a:p>
+            <a:pPr lvl="2"/>
+            <a:endParaRPr lang="en-US" dirty="0"/>
+          </a:p>
+        </p:txBody>
+      </p:sp>
+      <p:sp>
+        <p:nvSpPr>
+          <p:cNvPr id="13" name="Title 12"/>
+          <p:cNvSpPr>
+            <a:spLocks noGrp="1"/>
+          </p:cNvSpPr>
+          <p:nvPr>
+            <p:ph type="title"/>
+          </p:nvPr>
+        </p:nvSpPr>
+        <p:spPr>
+          <a:xfrm>
+            <a:off x="1065212" y="228600"/>
+            <a:ext cx="8686801" cy="609600"/>
+          </a:xfrm>
+        </p:spPr>
+        <p:txBody>
+          <a:bodyPr/>
+          <a:lstStyle/>
+          <a:p>
+            <a:pPr algn="ctr"/>
+            <a:r>
+              <a:rPr lang="en-US" dirty="0"/>
+              <a:t>Administration roles</a:t>
+            </a:r>
+          </a:p>
+        </p:txBody>
+      </p:sp>
+    </p:spTree>
+    <p:extLst>
+      <p:ext uri="{BB962C8B-B14F-4D97-AF65-F5344CB8AC3E}">
+        <p14:creationId xmlns:p14="http://schemas.microsoft.com/office/powerpoint/2010/main" val="2552989560"/>
+      </p:ext>
+    </p:extLst>
+  </p:cSld>
+  <p:clrMapOvr>
+    <a:masterClrMapping/>
+  </p:clrMapOvr>
+  <mc:AlternateContent xmlns:mc="http://schemas.openxmlformats.org/markup-compatibility/2006" xmlns:p14="http://schemas.microsoft.com/office/powerpoint/2010/main">
+    <mc:Choice Requires="p14">
+      <p:transition spd="med" p14:dur="700">
+        <p:fade/>
+      </p:transition>
+    </mc:Choice>
+    <mc:Fallback xmlns="">
+      <p:transition spd="med">
+        <p:fade/>
+      </p:transition>
+    </mc:Fallback>
+  </mc:AlternateContent>
+</p:sld>
+</file>
+
+<file path=ppt/slides/slide11.xml><?xml version="1.0" encoding="utf-8"?>
+<p:sld xmlns:a="http://schemas.openxmlformats.org/drawingml/2006/main" xmlns:r="http://schemas.openxmlformats.org/officeDocument/2006/relationships" xmlns:p="http://schemas.openxmlformats.org/presentationml/2006/main">
+  <p:cSld>
+    <p:spTree>
+      <p:nvGrpSpPr>
+        <p:cNvPr id="1" name=""/>
+        <p:cNvGrpSpPr/>
+        <p:nvPr/>
+      </p:nvGrpSpPr>
+      <p:grpSpPr>
+        <a:xfrm>
+          <a:off x="0" y="0"/>
+          <a:ext cx="0" cy="0"/>
+          <a:chOff x="0" y="0"/>
+          <a:chExt cx="0" cy="0"/>
+        </a:xfrm>
+      </p:grpSpPr>
       <p:pic>
         <p:nvPicPr>
           <p:cNvPr id="6" name="Picture 5">
@@ -4175,7 +4380,7 @@
 </p:sld>
 </file>
 
-<file path=ppt/slides/slide11.xml><?xml version="1.0" encoding="utf-8"?>
+<file path=ppt/slides/slide12.xml><?xml version="1.0" encoding="utf-8"?>
 <p:sld xmlns:a="http://schemas.openxmlformats.org/drawingml/2006/main" xmlns:r="http://schemas.openxmlformats.org/officeDocument/2006/relationships" xmlns:p="http://schemas.openxmlformats.org/presentationml/2006/main">
   <p:cSld>
     <p:spTree>
@@ -4425,79 +4630,9 @@
           <a:p>
             <a:r>
               <a:rPr lang="en-US" dirty="0"/>
-              <a:t>Abbreviations</a:t>
+              <a:t>Abbreviations - technology stack</a:t>
             </a:r>
             <a:endParaRPr lang="LID4096" dirty="0"/>
-          </a:p>
-        </p:txBody>
-      </p:sp>
-      <p:sp>
-        <p:nvSpPr>
-          <p:cNvPr id="3" name="Content Placeholder 2">
-            <a:extLst>
-              <a:ext uri="{FF2B5EF4-FFF2-40B4-BE49-F238E27FC236}">
-                <a16:creationId xmlns:a16="http://schemas.microsoft.com/office/drawing/2014/main" id="{061CB314-D8C3-4FDC-880E-08DF1FEC51DD}"/>
-              </a:ext>
-            </a:extLst>
-          </p:cNvPr>
-          <p:cNvSpPr>
-            <a:spLocks noGrp="1"/>
-          </p:cNvSpPr>
-          <p:nvPr>
-            <p:ph idx="1"/>
-          </p:nvPr>
-        </p:nvSpPr>
-        <p:spPr>
-          <a:xfrm>
-            <a:off x="296586" y="914400"/>
-            <a:ext cx="3733801" cy="4724400"/>
-          </a:xfrm>
-        </p:spPr>
-        <p:txBody>
-          <a:bodyPr>
-            <a:normAutofit/>
-          </a:bodyPr>
-          <a:lstStyle/>
-          <a:p>
-            <a:r>
-              <a:rPr lang="en-US" sz="1400" dirty="0"/>
-              <a:t>QC - Quality Control</a:t>
-            </a:r>
-          </a:p>
-          <a:p>
-            <a:r>
-              <a:rPr lang="en-US" sz="1400" dirty="0"/>
-              <a:t>QA - Quality Assurance</a:t>
-            </a:r>
-          </a:p>
-          <a:p>
-            <a:r>
-              <a:rPr lang="en-US" sz="1400" dirty="0"/>
-              <a:t>NCR (Non-Conformance Request / Report)</a:t>
-            </a:r>
-          </a:p>
-          <a:p>
-            <a:r>
-              <a:rPr lang="en-US" sz="1400" dirty="0"/>
-              <a:t>POC  (</a:t>
-            </a:r>
-            <a:r>
-              <a:rPr lang="en" sz="1400" dirty="0"/>
-              <a:t>Proof of concept</a:t>
-            </a:r>
-            <a:r>
-              <a:rPr lang="en-US" sz="1400" dirty="0"/>
-              <a:t>)</a:t>
-            </a:r>
-          </a:p>
-          <a:p>
-            <a:r>
-              <a:rPr lang="en-US" sz="1400" dirty="0"/>
-              <a:t>RFI (Request For Information)</a:t>
-            </a:r>
-          </a:p>
-          <a:p>
-            <a:endParaRPr lang="en-US" dirty="0"/>
           </a:p>
         </p:txBody>
       </p:sp>
@@ -4517,7 +4652,7 @@
         </p:nvSpPr>
         <p:spPr>
           <a:xfrm>
-            <a:off x="3960812" y="837501"/>
+            <a:off x="1827212" y="914400"/>
             <a:ext cx="3113904" cy="5486400"/>
           </a:xfrm>
           <a:prstGeom prst="rect">
@@ -4853,7 +4988,7 @@
         </p:nvSpPr>
         <p:spPr>
           <a:xfrm>
-            <a:off x="7466012" y="838200"/>
+            <a:off x="5256212" y="849464"/>
             <a:ext cx="3113904" cy="5486400"/>
           </a:xfrm>
           <a:prstGeom prst="rect">
@@ -5122,7 +5257,7 @@
     </p:spTree>
     <p:extLst>
       <p:ext uri="{BB962C8B-B14F-4D97-AF65-F5344CB8AC3E}">
-        <p14:creationId xmlns:p14="http://schemas.microsoft.com/office/powerpoint/2010/main" val="3536445541"/>
+        <p14:creationId xmlns:p14="http://schemas.microsoft.com/office/powerpoint/2010/main" val="2157568636"/>
       </p:ext>
     </p:extLst>
   </p:cSld>
@@ -5163,6 +5298,186 @@
       </p:grpSpPr>
       <p:sp>
         <p:nvSpPr>
+          <p:cNvPr id="2" name="Title 1">
+            <a:extLst>
+              <a:ext uri="{FF2B5EF4-FFF2-40B4-BE49-F238E27FC236}">
+                <a16:creationId xmlns:a16="http://schemas.microsoft.com/office/drawing/2014/main" id="{33D2DBB7-936E-466B-8445-92D3DCC2FD2B}"/>
+              </a:ext>
+            </a:extLst>
+          </p:cNvPr>
+          <p:cNvSpPr>
+            <a:spLocks noGrp="1"/>
+          </p:cNvSpPr>
+          <p:nvPr>
+            <p:ph type="title"/>
+          </p:nvPr>
+        </p:nvSpPr>
+        <p:spPr>
+          <a:xfrm>
+            <a:off x="1075508" y="228600"/>
+            <a:ext cx="8686801" cy="609600"/>
+          </a:xfrm>
+        </p:spPr>
+        <p:txBody>
+          <a:bodyPr/>
+          <a:lstStyle/>
+          <a:p>
+            <a:r>
+              <a:rPr lang="en-US" dirty="0"/>
+              <a:t>Abbreviations - business</a:t>
+            </a:r>
+            <a:endParaRPr lang="LID4096" dirty="0"/>
+          </a:p>
+        </p:txBody>
+      </p:sp>
+      <p:sp>
+        <p:nvSpPr>
+          <p:cNvPr id="3" name="Content Placeholder 2">
+            <a:extLst>
+              <a:ext uri="{FF2B5EF4-FFF2-40B4-BE49-F238E27FC236}">
+                <a16:creationId xmlns:a16="http://schemas.microsoft.com/office/drawing/2014/main" id="{061CB314-D8C3-4FDC-880E-08DF1FEC51DD}"/>
+              </a:ext>
+            </a:extLst>
+          </p:cNvPr>
+          <p:cNvSpPr>
+            <a:spLocks noGrp="1"/>
+          </p:cNvSpPr>
+          <p:nvPr>
+            <p:ph idx="1"/>
+          </p:nvPr>
+        </p:nvSpPr>
+        <p:spPr>
+          <a:xfrm>
+            <a:off x="296586" y="914400"/>
+            <a:ext cx="3969026" cy="4724400"/>
+          </a:xfrm>
+        </p:spPr>
+        <p:txBody>
+          <a:bodyPr>
+            <a:normAutofit/>
+          </a:bodyPr>
+          <a:lstStyle/>
+          <a:p>
+            <a:r>
+              <a:rPr lang="en-US" sz="1400" dirty="0"/>
+              <a:t>QMS - Quality Management System </a:t>
+            </a:r>
+          </a:p>
+          <a:p>
+            <a:r>
+              <a:rPr lang="en-US" sz="1400" dirty="0"/>
+              <a:t>QC - Quality Control</a:t>
+            </a:r>
+          </a:p>
+          <a:p>
+            <a:r>
+              <a:rPr lang="en-US" sz="1400" dirty="0"/>
+              <a:t>QA - Quality Assurance</a:t>
+            </a:r>
+          </a:p>
+          <a:p>
+            <a:r>
+              <a:rPr lang="en-US" sz="1400" dirty="0"/>
+              <a:t>NCR - Non-Conformance Request / Report</a:t>
+            </a:r>
+          </a:p>
+          <a:p>
+            <a:r>
+              <a:rPr lang="en-US" sz="1400" dirty="0"/>
+              <a:t>POC  - </a:t>
+            </a:r>
+            <a:r>
+              <a:rPr lang="en" sz="1400" dirty="0"/>
+              <a:t>Proof </a:t>
+            </a:r>
+            <a:r>
+              <a:rPr lang="en-US" sz="1400" dirty="0"/>
+              <a:t>O</a:t>
+            </a:r>
+            <a:r>
+              <a:rPr lang="en" sz="1400" dirty="0"/>
+              <a:t>f </a:t>
+            </a:r>
+            <a:r>
+              <a:rPr lang="en-US" sz="1400" dirty="0"/>
+              <a:t>C</a:t>
+            </a:r>
+            <a:r>
+              <a:rPr lang="en" sz="1400" dirty="0"/>
+              <a:t>oncept</a:t>
+            </a:r>
+            <a:endParaRPr lang="en-US" sz="1400" dirty="0"/>
+          </a:p>
+          <a:p>
+            <a:r>
+              <a:rPr lang="en-US" sz="1400" dirty="0"/>
+              <a:t>RFI - Request For Information</a:t>
+            </a:r>
+          </a:p>
+          <a:p>
+            <a:r>
+              <a:rPr lang="en-US" sz="1400" dirty="0"/>
+              <a:t>CAR - Corrective Action Request</a:t>
+            </a:r>
+          </a:p>
+          <a:p>
+            <a:r>
+              <a:rPr lang="en-US" sz="1400" dirty="0"/>
+              <a:t>PAR - Preventive Action Request</a:t>
+            </a:r>
+          </a:p>
+          <a:p>
+            <a:r>
+              <a:rPr lang="en-US" sz="1400" dirty="0"/>
+              <a:t>OBS</a:t>
+            </a:r>
+          </a:p>
+        </p:txBody>
+      </p:sp>
+    </p:spTree>
+    <p:extLst>
+      <p:ext uri="{BB962C8B-B14F-4D97-AF65-F5344CB8AC3E}">
+        <p14:creationId xmlns:p14="http://schemas.microsoft.com/office/powerpoint/2010/main" val="3536445541"/>
+      </p:ext>
+    </p:extLst>
+  </p:cSld>
+  <p:clrMapOvr>
+    <a:masterClrMapping/>
+  </p:clrMapOvr>
+  <mc:AlternateContent xmlns:mc="http://schemas.openxmlformats.org/markup-compatibility/2006" xmlns:p14="http://schemas.microsoft.com/office/powerpoint/2010/main">
+    <mc:Choice Requires="p14">
+      <p:transition spd="med" p14:dur="700">
+        <p:fade/>
+      </p:transition>
+    </mc:Choice>
+    <mc:Fallback xmlns="">
+      <p:transition spd="med">
+        <p:fade/>
+      </p:transition>
+    </mc:Fallback>
+  </mc:AlternateContent>
+</p:sld>
+</file>
+
+<file path=ppt/slides/slide5.xml><?xml version="1.0" encoding="utf-8"?>
+<p:sld xmlns:a="http://schemas.openxmlformats.org/drawingml/2006/main" xmlns:r="http://schemas.openxmlformats.org/officeDocument/2006/relationships" xmlns:p="http://schemas.openxmlformats.org/presentationml/2006/main">
+  <p:cSld>
+    <p:spTree>
+      <p:nvGrpSpPr>
+        <p:cNvPr id="1" name=""/>
+        <p:cNvGrpSpPr/>
+        <p:nvPr/>
+      </p:nvGrpSpPr>
+      <p:grpSpPr>
+        <a:xfrm>
+          <a:off x="0" y="0"/>
+          <a:ext cx="0" cy="0"/>
+          <a:chOff x="0" y="0"/>
+          <a:chExt cx="0" cy="0"/>
+        </a:xfrm>
+      </p:grpSpPr>
+      <p:sp>
+        <p:nvSpPr>
           <p:cNvPr id="13" name="Title 12"/>
           <p:cNvSpPr>
             <a:spLocks noGrp="1"/>
@@ -5305,7 +5620,7 @@
 </p:sld>
 </file>
 
-<file path=ppt/slides/slide5.xml><?xml version="1.0" encoding="utf-8"?>
+<file path=ppt/slides/slide6.xml><?xml version="1.0" encoding="utf-8"?>
 <p:sld xmlns:a="http://schemas.openxmlformats.org/drawingml/2006/main" xmlns:r="http://schemas.openxmlformats.org/officeDocument/2006/relationships" xmlns:p="http://schemas.openxmlformats.org/presentationml/2006/main">
   <p:cSld>
     <p:spTree>
@@ -8025,7 +8340,7 @@
 </p:sld>
 </file>
 
-<file path=ppt/slides/slide6.xml><?xml version="1.0" encoding="utf-8"?>
+<file path=ppt/slides/slide7.xml><?xml version="1.0" encoding="utf-8"?>
 <p:sld xmlns:a="http://schemas.openxmlformats.org/drawingml/2006/main" xmlns:r="http://schemas.openxmlformats.org/officeDocument/2006/relationships" xmlns:p="http://schemas.openxmlformats.org/presentationml/2006/main">
   <p:cSld>
     <p:spTree>
@@ -8242,7 +8557,7 @@
 </p:sld>
 </file>
 
-<file path=ppt/slides/slide7.xml><?xml version="1.0" encoding="utf-8"?>
+<file path=ppt/slides/slide8.xml><?xml version="1.0" encoding="utf-8"?>
 <p:sld xmlns:a="http://schemas.openxmlformats.org/drawingml/2006/main" xmlns:r="http://schemas.openxmlformats.org/officeDocument/2006/relationships" xmlns:p="http://schemas.openxmlformats.org/presentationml/2006/main">
   <p:cSld>
     <p:spTree>
@@ -8442,7 +8757,7 @@
 </p:sld>
 </file>
 
-<file path=ppt/slides/slide8.xml><?xml version="1.0" encoding="utf-8"?>
+<file path=ppt/slides/slide9.xml><?xml version="1.0" encoding="utf-8"?>
 <p:sld xmlns:a="http://schemas.openxmlformats.org/drawingml/2006/main" xmlns:r="http://schemas.openxmlformats.org/officeDocument/2006/relationships" xmlns:p="http://schemas.openxmlformats.org/presentationml/2006/main">
   <p:cSld>
     <p:spTree>
@@ -8582,210 +8897,6 @@
     <p:extLst>
       <p:ext uri="{BB962C8B-B14F-4D97-AF65-F5344CB8AC3E}">
         <p14:creationId xmlns:p14="http://schemas.microsoft.com/office/powerpoint/2010/main" val="2259311213"/>
-      </p:ext>
-    </p:extLst>
-  </p:cSld>
-  <p:clrMapOvr>
-    <a:masterClrMapping/>
-  </p:clrMapOvr>
-  <mc:AlternateContent xmlns:mc="http://schemas.openxmlformats.org/markup-compatibility/2006" xmlns:p14="http://schemas.microsoft.com/office/powerpoint/2010/main">
-    <mc:Choice Requires="p14">
-      <p:transition spd="med" p14:dur="700">
-        <p:fade/>
-      </p:transition>
-    </mc:Choice>
-    <mc:Fallback xmlns="">
-      <p:transition spd="med">
-        <p:fade/>
-      </p:transition>
-    </mc:Fallback>
-  </mc:AlternateContent>
-</p:sld>
-</file>
-
-<file path=ppt/slides/slide9.xml><?xml version="1.0" encoding="utf-8"?>
-<p:sld xmlns:a="http://schemas.openxmlformats.org/drawingml/2006/main" xmlns:r="http://schemas.openxmlformats.org/officeDocument/2006/relationships" xmlns:p="http://schemas.openxmlformats.org/presentationml/2006/main">
-  <p:cSld>
-    <p:spTree>
-      <p:nvGrpSpPr>
-        <p:cNvPr id="1" name=""/>
-        <p:cNvGrpSpPr/>
-        <p:nvPr/>
-      </p:nvGrpSpPr>
-      <p:grpSpPr>
-        <a:xfrm>
-          <a:off x="0" y="0"/>
-          <a:ext cx="0" cy="0"/>
-          <a:chOff x="0" y="0"/>
-          <a:chExt cx="0" cy="0"/>
-        </a:xfrm>
-      </p:grpSpPr>
-      <p:sp>
-        <p:nvSpPr>
-          <p:cNvPr id="14" name="Content Placeholder 13"/>
-          <p:cNvSpPr>
-            <a:spLocks noGrp="1"/>
-          </p:cNvSpPr>
-          <p:nvPr>
-            <p:ph idx="1"/>
-          </p:nvPr>
-        </p:nvSpPr>
-        <p:spPr>
-          <a:xfrm>
-            <a:off x="1056998" y="1371600"/>
-            <a:ext cx="8686801" cy="4419600"/>
-          </a:xfrm>
-        </p:spPr>
-        <p:txBody>
-          <a:bodyPr>
-            <a:normAutofit fontScale="77500" lnSpcReduction="20000"/>
-          </a:bodyPr>
-          <a:lstStyle/>
-          <a:p>
-            <a:pPr lvl="0"/>
-            <a:r>
-              <a:rPr lang="en-US" dirty="0"/>
-              <a:t>Administration role - Global admin</a:t>
-            </a:r>
-          </a:p>
-          <a:p>
-            <a:pPr lvl="1"/>
-            <a:r>
-              <a:rPr lang="en-US" dirty="0"/>
-              <a:t>Root permissions on the system</a:t>
-            </a:r>
-          </a:p>
-          <a:p>
-            <a:r>
-              <a:rPr lang="en-US" dirty="0"/>
-              <a:t>Administration role - Domain admin</a:t>
-            </a:r>
-          </a:p>
-          <a:p>
-            <a:pPr lvl="1"/>
-            <a:r>
-              <a:rPr lang="en-US" dirty="0"/>
-              <a:t>Root permissions on the system domain (Israel, Russia, </a:t>
-            </a:r>
-            <a:r>
-              <a:rPr lang="en-US" dirty="0" err="1"/>
-              <a:t>etc</a:t>
-            </a:r>
-            <a:r>
-              <a:rPr lang="en-US" dirty="0"/>
-              <a:t>…)</a:t>
-            </a:r>
-          </a:p>
-          <a:p>
-            <a:pPr lvl="0"/>
-            <a:r>
-              <a:rPr lang="en-US" dirty="0"/>
-              <a:t>Administration role - Project admin</a:t>
-            </a:r>
-          </a:p>
-          <a:p>
-            <a:pPr marL="457063" lvl="1" indent="0">
-              <a:buNone/>
-            </a:pPr>
-            <a:r>
-              <a:rPr lang="en-US" dirty="0"/>
-              <a:t>Should be able to create/update a project data</a:t>
-            </a:r>
-          </a:p>
-          <a:p>
-            <a:pPr lvl="1"/>
-            <a:r>
-              <a:rPr lang="en-US" sz="1999" dirty="0"/>
-              <a:t>Create a project </a:t>
-            </a:r>
-          </a:p>
-          <a:p>
-            <a:pPr lvl="1"/>
-            <a:r>
-              <a:rPr lang="en-US" sz="1999" dirty="0"/>
-              <a:t>Create a logo for QC company if needed</a:t>
-            </a:r>
-          </a:p>
-          <a:p>
-            <a:pPr lvl="1"/>
-            <a:r>
-              <a:rPr lang="en-US" sz="1999" dirty="0"/>
-              <a:t>Create a project tree + relevant structures</a:t>
-            </a:r>
-          </a:p>
-          <a:p>
-            <a:pPr lvl="1"/>
-            <a:r>
-              <a:rPr lang="en-US" sz="1999" dirty="0"/>
-              <a:t>Create a lab to send orders to + create a form to be sent to the lab.</a:t>
-            </a:r>
-          </a:p>
-          <a:p>
-            <a:pPr lvl="1"/>
-            <a:r>
-              <a:rPr lang="en-US" sz="1999" dirty="0"/>
-              <a:t>Create users for the project, only lower role</a:t>
-            </a:r>
-          </a:p>
-          <a:p>
-            <a:pPr lvl="1"/>
-            <a:r>
-              <a:rPr lang="en-US" sz="1999" dirty="0"/>
-              <a:t>Create checklists, or use existing.</a:t>
-            </a:r>
-          </a:p>
-          <a:p>
-            <a:pPr lvl="1"/>
-            <a:r>
-              <a:rPr lang="en-US" sz="1999" dirty="0"/>
-              <a:t>Create lab test codes,  or use existing.</a:t>
-            </a:r>
-          </a:p>
-          <a:p>
-            <a:pPr lvl="1"/>
-            <a:r>
-              <a:rPr lang="en-US" sz="1999" dirty="0"/>
-              <a:t>Create a format for checklist forms</a:t>
-            </a:r>
-          </a:p>
-          <a:p>
-            <a:pPr lvl="2"/>
-            <a:endParaRPr lang="en-US" dirty="0"/>
-          </a:p>
-        </p:txBody>
-      </p:sp>
-      <p:sp>
-        <p:nvSpPr>
-          <p:cNvPr id="13" name="Title 12"/>
-          <p:cNvSpPr>
-            <a:spLocks noGrp="1"/>
-          </p:cNvSpPr>
-          <p:nvPr>
-            <p:ph type="title"/>
-          </p:nvPr>
-        </p:nvSpPr>
-        <p:spPr>
-          <a:xfrm>
-            <a:off x="1065212" y="228600"/>
-            <a:ext cx="8686801" cy="609600"/>
-          </a:xfrm>
-        </p:spPr>
-        <p:txBody>
-          <a:bodyPr/>
-          <a:lstStyle/>
-          <a:p>
-            <a:pPr algn="ctr"/>
-            <a:r>
-              <a:rPr lang="en-US" dirty="0"/>
-              <a:t>Administration roles</a:t>
-            </a:r>
-          </a:p>
-        </p:txBody>
-      </p:sp>
-    </p:spTree>
-    <p:extLst>
-      <p:ext uri="{BB962C8B-B14F-4D97-AF65-F5344CB8AC3E}">
-        <p14:creationId xmlns:p14="http://schemas.microsoft.com/office/powerpoint/2010/main" val="2552989560"/>
       </p:ext>
     </p:extLst>
   </p:cSld>
